--- a/FLORIDACAR.pptx
+++ b/FLORIDACAR.pptx
@@ -16,6 +16,9 @@
     <p:sldId id="264" r:id="rId10"/>
     <p:sldId id="265" r:id="rId11"/>
     <p:sldId id="266" r:id="rId12"/>
+    <p:sldId id="267" r:id="rId13"/>
+    <p:sldId id="268" r:id="rId14"/>
+    <p:sldId id="269" r:id="rId15"/>
   </p:sldIdLst>
   <p:sldSz cx="12192000" cy="6858000"/>
   <p:notesSz cx="6858000" cy="9144000"/>
@@ -13022,6 +13025,403 @@
 </p:sld>
 </file>
 
+<file path=ppt/slides/slide12.xml><?xml version="1.0" encoding="utf-8"?>
+<p:sld xmlns:a="http://schemas.openxmlformats.org/drawingml/2006/main" xmlns:r="http://schemas.openxmlformats.org/officeDocument/2006/relationships" xmlns:p="http://schemas.openxmlformats.org/presentationml/2006/main">
+  <p:cSld>
+    <p:spTree>
+      <p:nvGrpSpPr>
+        <p:cNvPr id="1" name=""/>
+        <p:cNvGrpSpPr/>
+        <p:nvPr/>
+      </p:nvGrpSpPr>
+      <p:grpSpPr>
+        <a:xfrm>
+          <a:off x="0" y="0"/>
+          <a:ext cx="0" cy="0"/>
+          <a:chOff x="0" y="0"/>
+          <a:chExt cx="0" cy="0"/>
+        </a:xfrm>
+      </p:grpSpPr>
+      <p:sp>
+        <p:nvSpPr>
+          <p:cNvPr id="2" name="Título 1"/>
+          <p:cNvSpPr>
+            <a:spLocks noGrp="1"/>
+          </p:cNvSpPr>
+          <p:nvPr>
+            <p:ph type="title"/>
+          </p:nvPr>
+        </p:nvSpPr>
+        <p:spPr/>
+        <p:txBody>
+          <a:bodyPr/>
+          <a:lstStyle/>
+          <a:p>
+            <a:pPr algn="ctr"/>
+            <a:r>
+              <a:rPr lang="es-ES" dirty="0" smtClean="0">
+                <a:solidFill>
+                  <a:srgbClr val="FFFF00"/>
+                </a:solidFill>
+              </a:rPr>
+              <a:t>MY PROFILE and </a:t>
+            </a:r>
+            <a:r>
+              <a:rPr lang="es-ES" dirty="0" err="1" smtClean="0">
+                <a:solidFill>
+                  <a:srgbClr val="FFFF00"/>
+                </a:solidFill>
+              </a:rPr>
+              <a:t>update</a:t>
+            </a:r>
+            <a:endParaRPr lang="es-ES" dirty="0">
+              <a:solidFill>
+                <a:srgbClr val="FFFF00"/>
+              </a:solidFill>
+            </a:endParaRPr>
+          </a:p>
+        </p:txBody>
+      </p:sp>
+      <p:sp>
+        <p:nvSpPr>
+          <p:cNvPr id="3" name="Marcador de contenido 2"/>
+          <p:cNvSpPr>
+            <a:spLocks noGrp="1"/>
+          </p:cNvSpPr>
+          <p:nvPr>
+            <p:ph idx="1"/>
+          </p:nvPr>
+        </p:nvSpPr>
+        <p:spPr/>
+        <p:txBody>
+          <a:bodyPr/>
+          <a:lstStyle/>
+          <a:p>
+            <a:r>
+              <a:rPr lang="es-ES" dirty="0" smtClean="0"/>
+              <a:t>Once </a:t>
+            </a:r>
+            <a:r>
+              <a:rPr lang="es-ES" dirty="0" err="1" smtClean="0"/>
+              <a:t>we</a:t>
+            </a:r>
+            <a:r>
+              <a:rPr lang="es-ES" dirty="0" smtClean="0"/>
+              <a:t> </a:t>
+            </a:r>
+            <a:r>
+              <a:rPr lang="es-ES" dirty="0" err="1" smtClean="0"/>
+              <a:t>have</a:t>
+            </a:r>
+            <a:r>
+              <a:rPr lang="es-ES" dirty="0" smtClean="0"/>
+              <a:t> </a:t>
+            </a:r>
+            <a:r>
+              <a:rPr lang="es-ES" dirty="0" err="1" smtClean="0"/>
+              <a:t>logged</a:t>
+            </a:r>
+            <a:r>
+              <a:rPr lang="es-ES" dirty="0" smtClean="0"/>
+              <a:t> in, </a:t>
+            </a:r>
+            <a:r>
+              <a:rPr lang="es-ES" dirty="0" err="1" smtClean="0"/>
+              <a:t>we</a:t>
+            </a:r>
+            <a:r>
+              <a:rPr lang="es-ES" dirty="0" smtClean="0"/>
+              <a:t> </a:t>
+            </a:r>
+            <a:r>
+              <a:rPr lang="es-ES" dirty="0" err="1" smtClean="0"/>
+              <a:t>have</a:t>
+            </a:r>
+            <a:r>
+              <a:rPr lang="es-ES" dirty="0" smtClean="0"/>
+              <a:t> </a:t>
+            </a:r>
+            <a:r>
+              <a:rPr lang="es-ES" dirty="0" err="1" smtClean="0"/>
+              <a:t>the</a:t>
+            </a:r>
+            <a:r>
+              <a:rPr lang="es-ES" dirty="0" smtClean="0"/>
+              <a:t> </a:t>
+            </a:r>
+            <a:r>
+              <a:rPr lang="es-ES" dirty="0" err="1" smtClean="0"/>
+              <a:t>option</a:t>
+            </a:r>
+            <a:r>
+              <a:rPr lang="es-ES" dirty="0" smtClean="0"/>
+              <a:t> to </a:t>
+            </a:r>
+            <a:r>
+              <a:rPr lang="es-ES" dirty="0" err="1" smtClean="0"/>
+              <a:t>see</a:t>
+            </a:r>
+            <a:r>
+              <a:rPr lang="es-ES" dirty="0" smtClean="0"/>
+              <a:t> </a:t>
+            </a:r>
+            <a:r>
+              <a:rPr lang="es-ES" dirty="0" err="1" smtClean="0"/>
+              <a:t>our</a:t>
+            </a:r>
+            <a:r>
+              <a:rPr lang="es-ES" dirty="0" smtClean="0"/>
+              <a:t> </a:t>
+            </a:r>
+            <a:r>
+              <a:rPr lang="es-ES" dirty="0" err="1" smtClean="0"/>
+              <a:t>profile</a:t>
+            </a:r>
+            <a:r>
+              <a:rPr lang="es-ES" dirty="0" smtClean="0"/>
+              <a:t> and </a:t>
+            </a:r>
+            <a:r>
+              <a:rPr lang="es-ES" dirty="0" err="1" smtClean="0"/>
+              <a:t>update</a:t>
+            </a:r>
+            <a:r>
+              <a:rPr lang="es-ES" dirty="0" smtClean="0"/>
+              <a:t> </a:t>
+            </a:r>
+            <a:r>
+              <a:rPr lang="es-ES" dirty="0" err="1" smtClean="0"/>
+              <a:t>it</a:t>
+            </a:r>
+            <a:r>
+              <a:rPr lang="es-ES" dirty="0" smtClean="0"/>
+              <a:t> </a:t>
+            </a:r>
+            <a:r>
+              <a:rPr lang="es-ES" dirty="0" err="1" smtClean="0"/>
+              <a:t>if</a:t>
+            </a:r>
+            <a:r>
+              <a:rPr lang="es-ES" dirty="0" smtClean="0"/>
+              <a:t> </a:t>
+            </a:r>
+            <a:r>
+              <a:rPr lang="es-ES" dirty="0" err="1" smtClean="0"/>
+              <a:t>we</a:t>
+            </a:r>
+            <a:r>
+              <a:rPr lang="es-ES" dirty="0" smtClean="0"/>
+              <a:t> </a:t>
+            </a:r>
+            <a:r>
+              <a:rPr lang="es-ES" dirty="0" err="1" smtClean="0"/>
+              <a:t>want</a:t>
+            </a:r>
+            <a:r>
+              <a:rPr lang="es-ES" dirty="0" smtClean="0"/>
+              <a:t>.</a:t>
+            </a:r>
+            <a:endParaRPr lang="es-ES" dirty="0"/>
+          </a:p>
+        </p:txBody>
+      </p:sp>
+    </p:spTree>
+    <p:extLst>
+      <p:ext uri="{BB962C8B-B14F-4D97-AF65-F5344CB8AC3E}">
+        <p14:creationId xmlns:p14="http://schemas.microsoft.com/office/powerpoint/2010/main" val="3271782885"/>
+      </p:ext>
+    </p:extLst>
+  </p:cSld>
+  <p:clrMapOvr>
+    <a:masterClrMapping/>
+  </p:clrMapOvr>
+</p:sld>
+</file>
+
+<file path=ppt/slides/slide13.xml><?xml version="1.0" encoding="utf-8"?>
+<p:sld xmlns:a="http://schemas.openxmlformats.org/drawingml/2006/main" xmlns:r="http://schemas.openxmlformats.org/officeDocument/2006/relationships" xmlns:p="http://schemas.openxmlformats.org/presentationml/2006/main">
+  <p:cSld>
+    <p:spTree>
+      <p:nvGrpSpPr>
+        <p:cNvPr id="1" name=""/>
+        <p:cNvGrpSpPr/>
+        <p:nvPr/>
+      </p:nvGrpSpPr>
+      <p:grpSpPr>
+        <a:xfrm>
+          <a:off x="0" y="0"/>
+          <a:ext cx="0" cy="0"/>
+          <a:chOff x="0" y="0"/>
+          <a:chExt cx="0" cy="0"/>
+        </a:xfrm>
+      </p:grpSpPr>
+      <p:sp>
+        <p:nvSpPr>
+          <p:cNvPr id="2" name="Título 1"/>
+          <p:cNvSpPr>
+            <a:spLocks noGrp="1"/>
+          </p:cNvSpPr>
+          <p:nvPr>
+            <p:ph type="title"/>
+          </p:nvPr>
+        </p:nvSpPr>
+        <p:spPr/>
+        <p:txBody>
+          <a:bodyPr/>
+          <a:lstStyle/>
+          <a:p>
+            <a:pPr algn="ctr"/>
+            <a:r>
+              <a:rPr lang="es-ES" dirty="0">
+                <a:solidFill>
+                  <a:srgbClr val="FFFF00"/>
+                </a:solidFill>
+              </a:rPr>
+              <a:t>MY PROFILE and </a:t>
+            </a:r>
+            <a:r>
+              <a:rPr lang="es-ES" dirty="0" err="1">
+                <a:solidFill>
+                  <a:srgbClr val="FFFF00"/>
+                </a:solidFill>
+              </a:rPr>
+              <a:t>update</a:t>
+            </a:r>
+            <a:endParaRPr lang="es-ES" dirty="0"/>
+          </a:p>
+        </p:txBody>
+      </p:sp>
+      <p:pic>
+        <p:nvPicPr>
+          <p:cNvPr id="4" name="Marcador de contenido 3"/>
+          <p:cNvPicPr>
+            <a:picLocks noGrp="1" noChangeAspect="1"/>
+          </p:cNvPicPr>
+          <p:nvPr>
+            <p:ph idx="1"/>
+          </p:nvPr>
+        </p:nvPicPr>
+        <p:blipFill>
+          <a:blip r:embed="rId2"/>
+          <a:stretch>
+            <a:fillRect/>
+          </a:stretch>
+        </p:blipFill>
+        <p:spPr>
+          <a:xfrm>
+            <a:off x="1552633" y="1891145"/>
+            <a:ext cx="9083557" cy="4686300"/>
+          </a:xfrm>
+          <a:prstGeom prst="rect">
+            <a:avLst/>
+          </a:prstGeom>
+        </p:spPr>
+      </p:pic>
+    </p:spTree>
+    <p:extLst>
+      <p:ext uri="{BB962C8B-B14F-4D97-AF65-F5344CB8AC3E}">
+        <p14:creationId xmlns:p14="http://schemas.microsoft.com/office/powerpoint/2010/main" val="900271555"/>
+      </p:ext>
+    </p:extLst>
+  </p:cSld>
+  <p:clrMapOvr>
+    <a:masterClrMapping/>
+  </p:clrMapOvr>
+</p:sld>
+</file>
+
+<file path=ppt/slides/slide14.xml><?xml version="1.0" encoding="utf-8"?>
+<p:sld xmlns:a="http://schemas.openxmlformats.org/drawingml/2006/main" xmlns:r="http://schemas.openxmlformats.org/officeDocument/2006/relationships" xmlns:p="http://schemas.openxmlformats.org/presentationml/2006/main">
+  <p:cSld>
+    <p:spTree>
+      <p:nvGrpSpPr>
+        <p:cNvPr id="1" name=""/>
+        <p:cNvGrpSpPr/>
+        <p:nvPr/>
+      </p:nvGrpSpPr>
+      <p:grpSpPr>
+        <a:xfrm>
+          <a:off x="0" y="0"/>
+          <a:ext cx="0" cy="0"/>
+          <a:chOff x="0" y="0"/>
+          <a:chExt cx="0" cy="0"/>
+        </a:xfrm>
+      </p:grpSpPr>
+      <p:sp>
+        <p:nvSpPr>
+          <p:cNvPr id="2" name="Título 1"/>
+          <p:cNvSpPr>
+            <a:spLocks noGrp="1"/>
+          </p:cNvSpPr>
+          <p:nvPr>
+            <p:ph type="title"/>
+          </p:nvPr>
+        </p:nvSpPr>
+        <p:spPr/>
+        <p:txBody>
+          <a:bodyPr/>
+          <a:lstStyle/>
+          <a:p>
+            <a:pPr algn="ctr"/>
+            <a:r>
+              <a:rPr lang="es-ES" dirty="0">
+                <a:solidFill>
+                  <a:srgbClr val="FFFF00"/>
+                </a:solidFill>
+              </a:rPr>
+              <a:t>MY PROFILE and </a:t>
+            </a:r>
+            <a:r>
+              <a:rPr lang="es-ES" dirty="0" err="1">
+                <a:solidFill>
+                  <a:srgbClr val="FFFF00"/>
+                </a:solidFill>
+              </a:rPr>
+              <a:t>update</a:t>
+            </a:r>
+            <a:endParaRPr lang="es-ES" dirty="0"/>
+          </a:p>
+        </p:txBody>
+      </p:sp>
+      <p:pic>
+        <p:nvPicPr>
+          <p:cNvPr id="4" name="Marcador de contenido 3"/>
+          <p:cNvPicPr>
+            <a:picLocks noGrp="1" noChangeAspect="1"/>
+          </p:cNvPicPr>
+          <p:nvPr>
+            <p:ph idx="1"/>
+          </p:nvPr>
+        </p:nvPicPr>
+        <p:blipFill>
+          <a:blip r:embed="rId2"/>
+          <a:stretch>
+            <a:fillRect/>
+          </a:stretch>
+        </p:blipFill>
+        <p:spPr>
+          <a:xfrm>
+            <a:off x="1341957" y="1766455"/>
+            <a:ext cx="9504910" cy="4615152"/>
+          </a:xfrm>
+          <a:prstGeom prst="rect">
+            <a:avLst/>
+          </a:prstGeom>
+        </p:spPr>
+      </p:pic>
+    </p:spTree>
+    <p:extLst>
+      <p:ext uri="{BB962C8B-B14F-4D97-AF65-F5344CB8AC3E}">
+        <p14:creationId xmlns:p14="http://schemas.microsoft.com/office/powerpoint/2010/main" val="3692651890"/>
+      </p:ext>
+    </p:extLst>
+  </p:cSld>
+  <p:clrMapOvr>
+    <a:masterClrMapping/>
+  </p:clrMapOvr>
+</p:sld>
+</file>
+
 <file path=ppt/slides/slide2.xml><?xml version="1.0" encoding="utf-8"?>
 <p:sld xmlns:a="http://schemas.openxmlformats.org/drawingml/2006/main" xmlns:r="http://schemas.openxmlformats.org/officeDocument/2006/relationships" xmlns:p="http://schemas.openxmlformats.org/presentationml/2006/main">
   <p:cSld>
